--- a/doc/NASA+1のポートフォリオ発表.pptx
+++ b/doc/NASA+1のポートフォリオ発表.pptx
@@ -5,31 +5,32 @@
     <p:sldMasterId id="2147483659" r:id="rId1"/>
   </p:sldMasterIdLst>
   <p:notesMasterIdLst>
-    <p:notesMasterId r:id="rId24"/>
+    <p:notesMasterId r:id="rId25"/>
   </p:notesMasterIdLst>
   <p:sldIdLst>
     <p:sldId id="256" r:id="rId2"/>
-    <p:sldId id="257" r:id="rId3"/>
-    <p:sldId id="258" r:id="rId4"/>
-    <p:sldId id="259" r:id="rId5"/>
-    <p:sldId id="260" r:id="rId6"/>
-    <p:sldId id="261" r:id="rId7"/>
-    <p:sldId id="262" r:id="rId8"/>
-    <p:sldId id="263" r:id="rId9"/>
-    <p:sldId id="264" r:id="rId10"/>
-    <p:sldId id="265" r:id="rId11"/>
-    <p:sldId id="266" r:id="rId12"/>
-    <p:sldId id="267" r:id="rId13"/>
-    <p:sldId id="268" r:id="rId14"/>
-    <p:sldId id="269" r:id="rId15"/>
-    <p:sldId id="270" r:id="rId16"/>
-    <p:sldId id="271" r:id="rId17"/>
-    <p:sldId id="272" r:id="rId18"/>
-    <p:sldId id="273" r:id="rId19"/>
-    <p:sldId id="274" r:id="rId20"/>
-    <p:sldId id="275" r:id="rId21"/>
-    <p:sldId id="276" r:id="rId22"/>
-    <p:sldId id="277" r:id="rId23"/>
+    <p:sldId id="278" r:id="rId3"/>
+    <p:sldId id="257" r:id="rId4"/>
+    <p:sldId id="258" r:id="rId5"/>
+    <p:sldId id="259" r:id="rId6"/>
+    <p:sldId id="260" r:id="rId7"/>
+    <p:sldId id="261" r:id="rId8"/>
+    <p:sldId id="262" r:id="rId9"/>
+    <p:sldId id="263" r:id="rId10"/>
+    <p:sldId id="264" r:id="rId11"/>
+    <p:sldId id="265" r:id="rId12"/>
+    <p:sldId id="266" r:id="rId13"/>
+    <p:sldId id="267" r:id="rId14"/>
+    <p:sldId id="268" r:id="rId15"/>
+    <p:sldId id="269" r:id="rId16"/>
+    <p:sldId id="270" r:id="rId17"/>
+    <p:sldId id="271" r:id="rId18"/>
+    <p:sldId id="272" r:id="rId19"/>
+    <p:sldId id="273" r:id="rId20"/>
+    <p:sldId id="274" r:id="rId21"/>
+    <p:sldId id="275" r:id="rId22"/>
+    <p:sldId id="276" r:id="rId23"/>
+    <p:sldId id="277" r:id="rId24"/>
   </p:sldIdLst>
   <p:sldSz cx="9144000" cy="5143500" type="screen16x9"/>
   <p:notesSz cx="6858000" cy="9144000"/>
@@ -751,7 +752,7 @@
         </p:nvSpPr>
         <p:spPr>
           <a:xfrm>
-            <a:off x="381300" y="685800"/>
+            <a:off x="381000" y="685800"/>
             <a:ext cx="6096000" cy="3429000"/>
           </a:xfrm>
           <a:custGeom>
@@ -7579,25 +7580,25 @@
             <a:spLocks noGrp="1"/>
           </p:cNvSpPr>
           <p:nvPr>
-            <p:ph type="ctrTitle"/>
+            <p:ph type="title"/>
           </p:nvPr>
         </p:nvSpPr>
         <p:spPr>
           <a:xfrm>
-            <a:off x="311708" y="744575"/>
-            <a:ext cx="8520600" cy="2052600"/>
+            <a:off x="311700" y="1106125"/>
+            <a:ext cx="8520600" cy="1963500"/>
           </a:xfrm>
-          <a:prstGeom prst="rect">
-            <a:avLst/>
-          </a:prstGeom>
         </p:spPr>
         <p:txBody>
           <a:bodyPr spcFirstLastPara="1" wrap="square" lIns="91425" tIns="91425" rIns="91425" bIns="91425" anchor="b" anchorCtr="0">
-            <a:noAutofit/>
+            <a:normAutofit/>
           </a:bodyPr>
           <a:lstStyle/>
           <a:p>
-            <a:pPr marL="0" lvl="0" indent="0" algn="ctr" rtl="0">
+            <a:pPr marL="0" lvl="0" indent="0" rtl="0">
+              <a:lnSpc>
+                <a:spcPct val="90000"/>
+              </a:lnSpc>
               <a:spcBef>
                 <a:spcPts val="0"/>
               </a:spcBef>
@@ -7607,13 +7608,24 @@
               <a:buNone/>
             </a:pPr>
             <a:r>
-              <a:rPr lang="ja"/>
-              <a:t>self_monitoring(体調管理)</a:t>
-            </a:r>
-            <a:endParaRPr/>
-          </a:p>
-          <a:p>
-            <a:pPr marL="0" lvl="0" indent="0" algn="ctr" rtl="0">
+              <a:rPr lang="en-US" altLang="ja" sz="5700"/>
+              <a:t>self_monitoring(</a:t>
+            </a:r>
+            <a:r>
+              <a:rPr lang="ja-JP" altLang="en-US" sz="5700"/>
+              <a:t>体調管理</a:t>
+            </a:r>
+            <a:r>
+              <a:rPr lang="en-US" altLang="ja-JP" sz="5700"/>
+              <a:t>)</a:t>
+            </a:r>
+            <a:endParaRPr lang="ja-JP" altLang="en-US" sz="5700"/>
+          </a:p>
+          <a:p>
+            <a:pPr marL="0" lvl="0" indent="0" rtl="0">
+              <a:lnSpc>
+                <a:spcPct val="90000"/>
+              </a:lnSpc>
               <a:spcBef>
                 <a:spcPts val="0"/>
               </a:spcBef>
@@ -7623,10 +7635,10 @@
               <a:buNone/>
             </a:pPr>
             <a:r>
-              <a:rPr lang="ja"/>
+              <a:rPr lang="en-US" altLang="ja" sz="5700"/>
               <a:t>system</a:t>
             </a:r>
-            <a:endParaRPr/>
+            <a:endParaRPr lang="en-US" sz="5700"/>
           </a:p>
         </p:txBody>
       </p:sp>
@@ -7637,38 +7649,34 @@
             <a:spLocks noGrp="1"/>
           </p:cNvSpPr>
           <p:nvPr>
-            <p:ph type="subTitle" idx="1"/>
+            <p:ph type="body" idx="1"/>
           </p:nvPr>
         </p:nvSpPr>
         <p:spPr>
           <a:xfrm>
-            <a:off x="311700" y="2834125"/>
-            <a:ext cx="8520600" cy="792600"/>
+            <a:off x="311700" y="3152225"/>
+            <a:ext cx="8520600" cy="1300800"/>
           </a:xfrm>
-          <a:prstGeom prst="rect">
-            <a:avLst/>
-          </a:prstGeom>
         </p:spPr>
         <p:txBody>
           <a:bodyPr spcFirstLastPara="1" wrap="square" lIns="91425" tIns="91425" rIns="91425" bIns="91425" anchor="t" anchorCtr="0">
-            <a:noAutofit/>
+            <a:normAutofit/>
           </a:bodyPr>
           <a:lstStyle/>
           <a:p>
-            <a:pPr marL="0" lvl="0" indent="0" algn="ctr" rtl="0">
-              <a:spcBef>
-                <a:spcPts val="0"/>
-              </a:spcBef>
-              <a:spcAft>
-                <a:spcPts val="0"/>
+            <a:pPr marL="0" lvl="0" indent="0" rtl="0">
+              <a:spcBef>
+                <a:spcPts val="0"/>
+              </a:spcBef>
+              <a:spcAft>
+                <a:spcPts val="600"/>
               </a:spcAft>
               <a:buNone/>
             </a:pPr>
             <a:r>
-              <a:rPr lang="ja"/>
+              <a:rPr lang="ja-JP" altLang="en-US"/>
               <a:t>西口　昌宏</a:t>
             </a:r>
-            <a:endParaRPr/>
           </a:p>
         </p:txBody>
       </p:sp>
@@ -7681,6 +7689,216 @@
 </file>
 
 <file path=ppt/slides/slide10.xml><?xml version="1.0" encoding="utf-8"?>
+<p:sld xmlns:a="http://schemas.openxmlformats.org/drawingml/2006/main" xmlns:r="http://schemas.openxmlformats.org/officeDocument/2006/relationships" xmlns:p="http://schemas.openxmlformats.org/presentationml/2006/main">
+  <p:cSld>
+    <p:spTree>
+      <p:nvGrpSpPr>
+        <p:cNvPr id="1" name="Shape 101"/>
+        <p:cNvGrpSpPr/>
+        <p:nvPr/>
+      </p:nvGrpSpPr>
+      <p:grpSpPr>
+        <a:xfrm>
+          <a:off x="0" y="0"/>
+          <a:ext cx="0" cy="0"/>
+          <a:chOff x="0" y="0"/>
+          <a:chExt cx="0" cy="0"/>
+        </a:xfrm>
+      </p:grpSpPr>
+      <p:sp>
+        <p:nvSpPr>
+          <p:cNvPr id="102" name="Google Shape;102;p21"/>
+          <p:cNvSpPr txBox="1">
+            <a:spLocks noGrp="1"/>
+          </p:cNvSpPr>
+          <p:nvPr>
+            <p:ph type="title"/>
+          </p:nvPr>
+        </p:nvSpPr>
+        <p:spPr>
+          <a:xfrm>
+            <a:off x="311700" y="144075"/>
+            <a:ext cx="8520600" cy="572700"/>
+          </a:xfrm>
+          <a:prstGeom prst="rect">
+            <a:avLst/>
+          </a:prstGeom>
+        </p:spPr>
+        <p:txBody>
+          <a:bodyPr spcFirstLastPara="1" wrap="square" lIns="91425" tIns="91425" rIns="91425" bIns="91425" anchor="t" anchorCtr="0">
+            <a:noAutofit/>
+          </a:bodyPr>
+          <a:lstStyle/>
+          <a:p>
+            <a:pPr marL="0" lvl="0" indent="0" algn="l" rtl="0">
+              <a:spcBef>
+                <a:spcPts val="0"/>
+              </a:spcBef>
+              <a:spcAft>
+                <a:spcPts val="0"/>
+              </a:spcAft>
+              <a:buNone/>
+            </a:pPr>
+            <a:r>
+              <a:rPr lang="ja"/>
+              <a:t>（補足）複数ループで作って、最後だけいらない</a:t>
+            </a:r>
+            <a:endParaRPr/>
+          </a:p>
+          <a:p>
+            <a:pPr marL="0" lvl="0" indent="0" algn="l" rtl="0">
+              <a:spcBef>
+                <a:spcPts val="0"/>
+              </a:spcBef>
+              <a:spcAft>
+                <a:spcPts val="0"/>
+              </a:spcAft>
+              <a:buClr>
+                <a:schemeClr val="dk1"/>
+              </a:buClr>
+              <a:buSzPts val="1100"/>
+              <a:buFont typeface="Arial"/>
+              <a:buNone/>
+            </a:pPr>
+            <a:r>
+              <a:rPr lang="ja"/>
+              <a:t>(search_result.php)</a:t>
+            </a:r>
+            <a:endParaRPr/>
+          </a:p>
+        </p:txBody>
+      </p:sp>
+      <p:sp>
+        <p:nvSpPr>
+          <p:cNvPr id="103" name="Google Shape;103;p21"/>
+          <p:cNvSpPr txBox="1">
+            <a:spLocks noGrp="1"/>
+          </p:cNvSpPr>
+          <p:nvPr>
+            <p:ph type="body" idx="1"/>
+          </p:nvPr>
+        </p:nvSpPr>
+        <p:spPr>
+          <a:xfrm>
+            <a:off x="311700" y="1275600"/>
+            <a:ext cx="8520600" cy="3402900"/>
+          </a:xfrm>
+          <a:prstGeom prst="rect">
+            <a:avLst/>
+          </a:prstGeom>
+        </p:spPr>
+        <p:txBody>
+          <a:bodyPr spcFirstLastPara="1" wrap="square" lIns="91425" tIns="91425" rIns="91425" bIns="91425" anchor="t" anchorCtr="0">
+            <a:noAutofit/>
+          </a:bodyPr>
+          <a:lstStyle/>
+          <a:p>
+            <a:pPr marL="0" lvl="0" indent="0" algn="l" rtl="0">
+              <a:spcBef>
+                <a:spcPts val="0"/>
+              </a:spcBef>
+              <a:spcAft>
+                <a:spcPts val="0"/>
+              </a:spcAft>
+              <a:buNone/>
+            </a:pPr>
+            <a:r>
+              <a:rPr lang="ja"/>
+              <a:t>if($signal_flag == true){</a:t>
+            </a:r>
+            <a:endParaRPr/>
+          </a:p>
+          <a:p>
+            <a:pPr marL="0" lvl="0" indent="0" algn="l" rtl="0">
+              <a:spcBef>
+                <a:spcPts val="1600"/>
+              </a:spcBef>
+              <a:spcAft>
+                <a:spcPts val="0"/>
+              </a:spcAft>
+              <a:buNone/>
+            </a:pPr>
+            <a:r>
+              <a:rPr lang="ja"/>
+              <a:t>$sql = rtrim($sql, “OR”);</a:t>
+            </a:r>
+            <a:endParaRPr/>
+          </a:p>
+          <a:p>
+            <a:pPr marL="0" lvl="0" indent="0" algn="l" rtl="0">
+              <a:spcBef>
+                <a:spcPts val="1600"/>
+              </a:spcBef>
+              <a:spcAft>
+                <a:spcPts val="0"/>
+              </a:spcAft>
+              <a:buNone/>
+            </a:pPr>
+            <a:r>
+              <a:rPr lang="ja"/>
+              <a:t>$sql .= “)”;</a:t>
+            </a:r>
+            <a:endParaRPr/>
+          </a:p>
+          <a:p>
+            <a:pPr marL="0" lvl="0" indent="0" algn="l" rtl="0">
+              <a:spcBef>
+                <a:spcPts val="1600"/>
+              </a:spcBef>
+              <a:spcAft>
+                <a:spcPts val="0"/>
+              </a:spcAft>
+              <a:buNone/>
+            </a:pPr>
+            <a:r>
+              <a:rPr lang="ja"/>
+              <a:t>}</a:t>
+            </a:r>
+            <a:endParaRPr/>
+          </a:p>
+          <a:p>
+            <a:pPr marL="0" lvl="0" indent="0" algn="l" rtl="0">
+              <a:spcBef>
+                <a:spcPts val="1600"/>
+              </a:spcBef>
+              <a:spcAft>
+                <a:spcPts val="0"/>
+              </a:spcAft>
+              <a:buNone/>
+            </a:pPr>
+            <a:r>
+              <a:rPr lang="ja"/>
+              <a:t>最後だけORを削除する。そして、）をつける。</a:t>
+            </a:r>
+            <a:endParaRPr/>
+          </a:p>
+          <a:p>
+            <a:pPr marL="0" lvl="0" indent="0" algn="l" rtl="0">
+              <a:spcBef>
+                <a:spcPts val="1600"/>
+              </a:spcBef>
+              <a:spcAft>
+                <a:spcPts val="1600"/>
+              </a:spcAft>
+              <a:buNone/>
+            </a:pPr>
+            <a:r>
+              <a:rPr lang="ja"/>
+              <a:t>$signal_flagは ORを使う時だけ通るようにしたフラグ。</a:t>
+            </a:r>
+            <a:endParaRPr/>
+          </a:p>
+        </p:txBody>
+      </p:sp>
+    </p:spTree>
+  </p:cSld>
+  <p:clrMapOvr>
+    <a:masterClrMapping/>
+  </p:clrMapOvr>
+</p:sld>
+</file>
+
+<file path=ppt/slides/slide11.xml><?xml version="1.0" encoding="utf-8"?>
 <p:sld xmlns:a="http://schemas.openxmlformats.org/drawingml/2006/main" xmlns:r="http://schemas.openxmlformats.org/officeDocument/2006/relationships" xmlns:p="http://schemas.openxmlformats.org/presentationml/2006/main">
   <p:cSld>
     <p:spTree>
@@ -8006,7 +8224,7 @@
 </p:sld>
 </file>
 
-<file path=ppt/slides/slide11.xml><?xml version="1.0" encoding="utf-8"?>
+<file path=ppt/slides/slide12.xml><?xml version="1.0" encoding="utf-8"?>
 <p:sld xmlns:a="http://schemas.openxmlformats.org/drawingml/2006/main" xmlns:r="http://schemas.openxmlformats.org/officeDocument/2006/relationships" xmlns:p="http://schemas.openxmlformats.org/presentationml/2006/main">
   <p:cSld>
     <p:spTree>
@@ -9010,7 +9228,7 @@
 </p:sld>
 </file>
 
-<file path=ppt/slides/slide12.xml><?xml version="1.0" encoding="utf-8"?>
+<file path=ppt/slides/slide13.xml><?xml version="1.0" encoding="utf-8"?>
 <p:sld xmlns:a="http://schemas.openxmlformats.org/drawingml/2006/main" xmlns:r="http://schemas.openxmlformats.org/officeDocument/2006/relationships" xmlns:p="http://schemas.openxmlformats.org/presentationml/2006/main">
   <p:cSld>
     <p:spTree>
@@ -9920,7 +10138,7 @@
 </p:sld>
 </file>
 
-<file path=ppt/slides/slide13.xml><?xml version="1.0" encoding="utf-8"?>
+<file path=ppt/slides/slide14.xml><?xml version="1.0" encoding="utf-8"?>
 <p:sld xmlns:a="http://schemas.openxmlformats.org/drawingml/2006/main" xmlns:r="http://schemas.openxmlformats.org/officeDocument/2006/relationships" xmlns:p="http://schemas.openxmlformats.org/presentationml/2006/main">
   <p:cSld>
     <p:spTree>
@@ -10636,7 +10854,7 @@
 </p:sld>
 </file>
 
-<file path=ppt/slides/slide14.xml><?xml version="1.0" encoding="utf-8"?>
+<file path=ppt/slides/slide15.xml><?xml version="1.0" encoding="utf-8"?>
 <p:sld xmlns:a="http://schemas.openxmlformats.org/drawingml/2006/main" xmlns:r="http://schemas.openxmlformats.org/officeDocument/2006/relationships" xmlns:p="http://schemas.openxmlformats.org/presentationml/2006/main">
   <p:cSld>
     <p:spTree>
@@ -11912,7 +12130,7 @@
 </p:sld>
 </file>
 
-<file path=ppt/slides/slide15.xml><?xml version="1.0" encoding="utf-8"?>
+<file path=ppt/slides/slide16.xml><?xml version="1.0" encoding="utf-8"?>
 <p:sld xmlns:a="http://schemas.openxmlformats.org/drawingml/2006/main" xmlns:r="http://schemas.openxmlformats.org/officeDocument/2006/relationships" xmlns:p="http://schemas.openxmlformats.org/presentationml/2006/main">
   <p:cSld>
     <p:spTree>
@@ -11979,7 +12197,7 @@
 </p:sld>
 </file>
 
-<file path=ppt/slides/slide16.xml><?xml version="1.0" encoding="utf-8"?>
+<file path=ppt/slides/slide17.xml><?xml version="1.0" encoding="utf-8"?>
 <p:sld xmlns:a="http://schemas.openxmlformats.org/drawingml/2006/main" xmlns:r="http://schemas.openxmlformats.org/officeDocument/2006/relationships" xmlns:p="http://schemas.openxmlformats.org/presentationml/2006/main">
   <p:cSld>
     <p:spTree>
@@ -12228,7 +12446,7 @@
 </p:sld>
 </file>
 
-<file path=ppt/slides/slide17.xml><?xml version="1.0" encoding="utf-8"?>
+<file path=ppt/slides/slide18.xml><?xml version="1.0" encoding="utf-8"?>
 <p:sld xmlns:a="http://schemas.openxmlformats.org/drawingml/2006/main" xmlns:r="http://schemas.openxmlformats.org/officeDocument/2006/relationships" xmlns:p="http://schemas.openxmlformats.org/presentationml/2006/main">
   <p:cSld>
     <p:spTree>
@@ -12425,7 +12643,7 @@
 </p:sld>
 </file>
 
-<file path=ppt/slides/slide18.xml><?xml version="1.0" encoding="utf-8"?>
+<file path=ppt/slides/slide19.xml><?xml version="1.0" encoding="utf-8"?>
 <p:sld xmlns:a="http://schemas.openxmlformats.org/drawingml/2006/main" xmlns:r="http://schemas.openxmlformats.org/officeDocument/2006/relationships" xmlns:p="http://schemas.openxmlformats.org/presentationml/2006/main">
   <p:cSld>
     <p:spTree>
@@ -12550,7 +12768,191 @@
 </p:sld>
 </file>
 
-<file path=ppt/slides/slide19.xml><?xml version="1.0" encoding="utf-8"?>
+<file path=ppt/slides/slide2.xml><?xml version="1.0" encoding="utf-8"?>
+<p:sld xmlns:a="http://schemas.openxmlformats.org/drawingml/2006/main" xmlns:r="http://schemas.openxmlformats.org/officeDocument/2006/relationships" xmlns:p="http://schemas.openxmlformats.org/presentationml/2006/main">
+  <p:cSld>
+    <p:spTree>
+      <p:nvGrpSpPr>
+        <p:cNvPr id="1" name=""/>
+        <p:cNvGrpSpPr/>
+        <p:nvPr/>
+      </p:nvGrpSpPr>
+      <p:grpSpPr>
+        <a:xfrm>
+          <a:off x="0" y="0"/>
+          <a:ext cx="0" cy="0"/>
+          <a:chOff x="0" y="0"/>
+          <a:chExt cx="0" cy="0"/>
+        </a:xfrm>
+      </p:grpSpPr>
+      <p:sp>
+        <p:nvSpPr>
+          <p:cNvPr id="3" name="タイトル 2">
+            <a:extLst>
+              <a:ext uri="{FF2B5EF4-FFF2-40B4-BE49-F238E27FC236}">
+                <a16:creationId xmlns:a16="http://schemas.microsoft.com/office/drawing/2014/main" id="{170B36B7-82E0-4A3E-BBD7-8FD4BAF51667}"/>
+              </a:ext>
+            </a:extLst>
+          </p:cNvPr>
+          <p:cNvSpPr>
+            <a:spLocks noGrp="1"/>
+          </p:cNvSpPr>
+          <p:nvPr>
+            <p:ph type="title"/>
+          </p:nvPr>
+        </p:nvSpPr>
+        <p:spPr/>
+        <p:txBody>
+          <a:bodyPr/>
+          <a:lstStyle/>
+          <a:p>
+            <a:r>
+              <a:rPr kumimoji="1" lang="ja-JP" altLang="en-US" dirty="0"/>
+              <a:t>作業期間</a:t>
+            </a:r>
+          </a:p>
+        </p:txBody>
+      </p:sp>
+      <p:sp>
+        <p:nvSpPr>
+          <p:cNvPr id="4" name="テキスト プレースホルダー 3">
+            <a:extLst>
+              <a:ext uri="{FF2B5EF4-FFF2-40B4-BE49-F238E27FC236}">
+                <a16:creationId xmlns:a16="http://schemas.microsoft.com/office/drawing/2014/main" id="{F3349659-090F-48E0-893A-06F03029E998}"/>
+              </a:ext>
+            </a:extLst>
+          </p:cNvPr>
+          <p:cNvSpPr>
+            <a:spLocks noGrp="1"/>
+          </p:cNvSpPr>
+          <p:nvPr>
+            <p:ph type="body" idx="1"/>
+          </p:nvPr>
+        </p:nvSpPr>
+        <p:spPr/>
+        <p:txBody>
+          <a:bodyPr/>
+          <a:lstStyle/>
+          <a:p>
+            <a:r>
+              <a:rPr kumimoji="1" lang="ja-JP" altLang="en-US" dirty="0"/>
+              <a:t>２</a:t>
+            </a:r>
+            <a:r>
+              <a:rPr kumimoji="1" lang="en-US" altLang="ja-JP" dirty="0"/>
+              <a:t>~</a:t>
+            </a:r>
+            <a:r>
+              <a:rPr kumimoji="1" lang="ja-JP" altLang="en-US"/>
+              <a:t>３か月</a:t>
+            </a:r>
+            <a:endParaRPr kumimoji="1" lang="en-US" altLang="ja-JP" dirty="0"/>
+          </a:p>
+          <a:p>
+            <a:pPr marL="114300" indent="0">
+              <a:buNone/>
+            </a:pPr>
+            <a:r>
+              <a:rPr kumimoji="1" lang="en-US" altLang="ja-JP" dirty="0"/>
+              <a:t>[</a:t>
+            </a:r>
+            <a:r>
+              <a:rPr kumimoji="1" lang="ja-JP" altLang="en-US" dirty="0"/>
+              <a:t>実働</a:t>
+            </a:r>
+            <a:r>
+              <a:rPr kumimoji="1" lang="en-US" altLang="ja-JP" dirty="0"/>
+              <a:t>]</a:t>
+            </a:r>
+          </a:p>
+          <a:p>
+            <a:r>
+              <a:rPr kumimoji="1" lang="ja-JP" altLang="en-US" dirty="0"/>
+              <a:t>要件定義　７日くらい？？</a:t>
+            </a:r>
+            <a:endParaRPr kumimoji="1" lang="en-US" altLang="ja-JP" dirty="0"/>
+          </a:p>
+          <a:p>
+            <a:r>
+              <a:rPr kumimoji="1" lang="ja-JP" altLang="en-US" dirty="0"/>
+              <a:t>画面設計　３日</a:t>
+            </a:r>
+            <a:endParaRPr kumimoji="1" lang="en-US" altLang="ja-JP" dirty="0"/>
+          </a:p>
+          <a:p>
+            <a:r>
+              <a:rPr kumimoji="1" lang="ja-JP" altLang="en-US" dirty="0"/>
+              <a:t>データベース設計　１日</a:t>
+            </a:r>
+            <a:endParaRPr kumimoji="1" lang="en-US" altLang="ja-JP" dirty="0"/>
+          </a:p>
+          <a:p>
+            <a:r>
+              <a:rPr kumimoji="1" lang="ja-JP" altLang="en-US" dirty="0"/>
+              <a:t>コーディング　</a:t>
+            </a:r>
+            <a:r>
+              <a:rPr kumimoji="1" lang="en-US" altLang="ja-JP" dirty="0"/>
+              <a:t>20</a:t>
+            </a:r>
+            <a:r>
+              <a:rPr kumimoji="1" lang="ja-JP" altLang="en-US" dirty="0"/>
+              <a:t>日</a:t>
+            </a:r>
+            <a:endParaRPr kumimoji="1" lang="en-US" altLang="ja-JP" dirty="0"/>
+          </a:p>
+          <a:p>
+            <a:r>
+              <a:rPr kumimoji="1" lang="ja-JP" altLang="en-US" dirty="0"/>
+              <a:t>テスト、サーバーへの</a:t>
+            </a:r>
+            <a:r>
+              <a:rPr kumimoji="1" lang="en-US" altLang="ja-JP" dirty="0"/>
+              <a:t>UP</a:t>
+            </a:r>
+            <a:r>
+              <a:rPr kumimoji="1" lang="ja-JP" altLang="en-US" dirty="0"/>
+              <a:t>　まだ</a:t>
+            </a:r>
+            <a:endParaRPr kumimoji="1" lang="en-US" altLang="ja-JP" dirty="0"/>
+          </a:p>
+          <a:p>
+            <a:endParaRPr kumimoji="1" lang="en-US" altLang="ja-JP" dirty="0"/>
+          </a:p>
+          <a:p>
+            <a:r>
+              <a:rPr kumimoji="1" lang="ja-JP" altLang="en-US" dirty="0"/>
+              <a:t>全</a:t>
+            </a:r>
+            <a:r>
+              <a:rPr kumimoji="1" lang="en-US" altLang="ja-JP" dirty="0"/>
+              <a:t>31</a:t>
+            </a:r>
+            <a:r>
+              <a:rPr kumimoji="1" lang="ja-JP" altLang="en-US" dirty="0"/>
+              <a:t>日</a:t>
+            </a:r>
+            <a:endParaRPr kumimoji="1" lang="en-US" altLang="ja-JP" dirty="0"/>
+          </a:p>
+          <a:p>
+            <a:endParaRPr kumimoji="1" lang="en-US" altLang="ja-JP" dirty="0"/>
+          </a:p>
+        </p:txBody>
+      </p:sp>
+    </p:spTree>
+    <p:extLst>
+      <p:ext uri="{BB962C8B-B14F-4D97-AF65-F5344CB8AC3E}">
+        <p14:creationId xmlns:p14="http://schemas.microsoft.com/office/powerpoint/2010/main" val="1547818419"/>
+      </p:ext>
+    </p:extLst>
+  </p:cSld>
+  <p:clrMapOvr>
+    <a:masterClrMapping/>
+  </p:clrMapOvr>
+</p:sld>
+</file>
+
+<file path=ppt/slides/slide20.xml><?xml version="1.0" encoding="utf-8"?>
 <p:sld xmlns:a="http://schemas.openxmlformats.org/drawingml/2006/main" xmlns:r="http://schemas.openxmlformats.org/officeDocument/2006/relationships" xmlns:p="http://schemas.openxmlformats.org/presentationml/2006/main">
   <p:cSld>
     <p:spTree>
@@ -12750,182 +13152,7 @@
 </p:sld>
 </file>
 
-<file path=ppt/slides/slide2.xml><?xml version="1.0" encoding="utf-8"?>
-<p:sld xmlns:a="http://schemas.openxmlformats.org/drawingml/2006/main" xmlns:r="http://schemas.openxmlformats.org/officeDocument/2006/relationships" xmlns:p="http://schemas.openxmlformats.org/presentationml/2006/main">
-  <p:cSld>
-    <p:spTree>
-      <p:nvGrpSpPr>
-        <p:cNvPr id="1" name="Shape 59"/>
-        <p:cNvGrpSpPr/>
-        <p:nvPr/>
-      </p:nvGrpSpPr>
-      <p:grpSpPr>
-        <a:xfrm>
-          <a:off x="0" y="0"/>
-          <a:ext cx="0" cy="0"/>
-          <a:chOff x="0" y="0"/>
-          <a:chExt cx="0" cy="0"/>
-        </a:xfrm>
-      </p:grpSpPr>
-      <p:sp>
-        <p:nvSpPr>
-          <p:cNvPr id="60" name="Google Shape;60;p14"/>
-          <p:cNvSpPr txBox="1">
-            <a:spLocks noGrp="1"/>
-          </p:cNvSpPr>
-          <p:nvPr>
-            <p:ph type="title"/>
-          </p:nvPr>
-        </p:nvSpPr>
-        <p:spPr>
-          <a:xfrm>
-            <a:off x="311700" y="445025"/>
-            <a:ext cx="8520600" cy="572700"/>
-          </a:xfrm>
-          <a:prstGeom prst="rect">
-            <a:avLst/>
-          </a:prstGeom>
-        </p:spPr>
-        <p:txBody>
-          <a:bodyPr spcFirstLastPara="1" wrap="square" lIns="91425" tIns="91425" rIns="91425" bIns="91425" anchor="t" anchorCtr="0">
-            <a:noAutofit/>
-          </a:bodyPr>
-          <a:lstStyle/>
-          <a:p>
-            <a:pPr marL="0" lvl="0" indent="0" algn="l" rtl="0">
-              <a:spcBef>
-                <a:spcPts val="0"/>
-              </a:spcBef>
-              <a:spcAft>
-                <a:spcPts val="0"/>
-              </a:spcAft>
-              <a:buNone/>
-            </a:pPr>
-            <a:r>
-              <a:rPr lang="ja"/>
-              <a:t>作った理由</a:t>
-            </a:r>
-            <a:endParaRPr/>
-          </a:p>
-        </p:txBody>
-      </p:sp>
-      <p:sp>
-        <p:nvSpPr>
-          <p:cNvPr id="61" name="Google Shape;61;p14"/>
-          <p:cNvSpPr txBox="1">
-            <a:spLocks noGrp="1"/>
-          </p:cNvSpPr>
-          <p:nvPr>
-            <p:ph type="body" idx="1"/>
-          </p:nvPr>
-        </p:nvSpPr>
-        <p:spPr>
-          <a:xfrm>
-            <a:off x="311700" y="1152475"/>
-            <a:ext cx="8520600" cy="3416400"/>
-          </a:xfrm>
-          <a:prstGeom prst="rect">
-            <a:avLst/>
-          </a:prstGeom>
-          <a:noFill/>
-          <a:ln>
-            <a:noFill/>
-          </a:ln>
-        </p:spPr>
-        <p:txBody>
-          <a:bodyPr spcFirstLastPara="1" wrap="square" lIns="91425" tIns="91425" rIns="91425" bIns="91425" anchor="t" anchorCtr="0">
-            <a:noAutofit/>
-          </a:bodyPr>
-          <a:lstStyle/>
-          <a:p>
-            <a:pPr marL="0" lvl="0" indent="0" algn="l" rtl="0">
-              <a:spcBef>
-                <a:spcPts val="0"/>
-              </a:spcBef>
-              <a:spcAft>
-                <a:spcPts val="0"/>
-              </a:spcAft>
-              <a:buNone/>
-            </a:pPr>
-            <a:r>
-              <a:rPr lang="ja"/>
-              <a:t>大学院の頃に初めて精神疾患（統合失調症）になり、３年前、就職して約2年半後に再発した。もともともうならないとたかを括っていた為、気づくのが遅れ、手遅れになった。その反省を踏まえて</a:t>
-            </a:r>
-            <a:r>
-              <a:rPr lang="ja">
-                <a:solidFill>
-                  <a:srgbClr val="FF0000"/>
-                </a:solidFill>
-                <a:highlight>
-                  <a:srgbClr val="FFFF00"/>
-                </a:highlight>
-              </a:rPr>
-              <a:t>『予防』</a:t>
-            </a:r>
-            <a:r>
-              <a:rPr lang="ja"/>
-              <a:t>をしっかりしようと決めた為だ。</a:t>
-            </a:r>
-            <a:endParaRPr/>
-          </a:p>
-          <a:p>
-            <a:pPr marL="0" lvl="0" indent="0" algn="l" rtl="0">
-              <a:spcBef>
-                <a:spcPts val="1600"/>
-              </a:spcBef>
-              <a:spcAft>
-                <a:spcPts val="0"/>
-              </a:spcAft>
-              <a:buNone/>
-            </a:pPr>
-            <a:r>
-              <a:rPr lang="ja"/>
-              <a:t>そして、気づいたのが、一人一人症状や反応は違う。だが、自分だけで考えれば、似たような原因で似たような症状が出て、同じ解決策で対処できるのだ。つまり、原因になるようなことを気をつけて、症状が出たら、いつもの対処をすれば、再発は防げるかもしれない。</a:t>
-            </a:r>
-            <a:endParaRPr/>
-          </a:p>
-          <a:p>
-            <a:pPr marL="0" lvl="0" indent="0" algn="l" rtl="0">
-              <a:spcBef>
-                <a:spcPts val="1600"/>
-              </a:spcBef>
-              <a:spcAft>
-                <a:spcPts val="1600"/>
-              </a:spcAft>
-              <a:buNone/>
-            </a:pPr>
-            <a:r>
-              <a:rPr lang="ja"/>
-              <a:t>そのためには、</a:t>
-            </a:r>
-            <a:r>
-              <a:rPr lang="ja">
-                <a:solidFill>
-                  <a:srgbClr val="FF0000"/>
-                </a:solidFill>
-                <a:highlight>
-                  <a:srgbClr val="FFFF00"/>
-                </a:highlight>
-              </a:rPr>
-              <a:t>早く気づくこと</a:t>
-            </a:r>
-            <a:r>
-              <a:rPr lang="ja"/>
-              <a:t>が大事だ。自分の初期症状をまとめたのをエクセル「セルフモニタリング＿原因と解決策」にまとめる。</a:t>
-            </a:r>
-            <a:endParaRPr/>
-          </a:p>
-        </p:txBody>
-      </p:sp>
-    </p:spTree>
-  </p:cSld>
-  <p:clrMapOvr>
-    <a:masterClrMapping/>
-  </p:clrMapOvr>
-</p:sld>
-</file>
-
-<file path=ppt/slides/slide20.xml><?xml version="1.0" encoding="utf-8"?>
+<file path=ppt/slides/slide21.xml><?xml version="1.0" encoding="utf-8"?>
 <p:sld xmlns:a="http://schemas.openxmlformats.org/drawingml/2006/main" xmlns:r="http://schemas.openxmlformats.org/officeDocument/2006/relationships" xmlns:p="http://schemas.openxmlformats.org/presentationml/2006/main">
   <p:cSld>
     <p:spTree>
@@ -13050,7 +13277,7 @@
 </p:sld>
 </file>
 
-<file path=ppt/slides/slide21.xml><?xml version="1.0" encoding="utf-8"?>
+<file path=ppt/slides/slide22.xml><?xml version="1.0" encoding="utf-8"?>
 <p:sld xmlns:a="http://schemas.openxmlformats.org/drawingml/2006/main" xmlns:r="http://schemas.openxmlformats.org/officeDocument/2006/relationships" xmlns:p="http://schemas.openxmlformats.org/presentationml/2006/main">
   <p:cSld>
     <p:spTree>
@@ -13140,7 +13367,7 @@
 </p:sld>
 </file>
 
-<file path=ppt/slides/slide22.xml><?xml version="1.0" encoding="utf-8"?>
+<file path=ppt/slides/slide23.xml><?xml version="1.0" encoding="utf-8"?>
 <p:sld xmlns:a="http://schemas.openxmlformats.org/drawingml/2006/main" xmlns:r="http://schemas.openxmlformats.org/officeDocument/2006/relationships" xmlns:p="http://schemas.openxmlformats.org/presentationml/2006/main">
   <p:cSld>
     <p:spTree>
@@ -13278,9 +13505,20 @@
           <a:p>
             <a:r>
               <a:rPr kumimoji="1" lang="ja-JP" altLang="en-US" dirty="0"/>
-              <a:t>社長さんってこともあり、質問は多くても１時間に一回くらいにしている。それまでは調べている。</a:t>
-            </a:r>
-            <a:endParaRPr kumimoji="1" lang="en-US" altLang="ja-JP" dirty="0"/>
+              <a:t>社長さんってこともあり、１時間に一回くらいにしている。それまでは調べている。</a:t>
+            </a:r>
+            <a:r>
+              <a:rPr kumimoji="1" lang="en-US" altLang="ja-JP" dirty="0"/>
+              <a:t>(</a:t>
+            </a:r>
+            <a:r>
+              <a:rPr kumimoji="1" lang="ja-JP" altLang="en-US" dirty="0"/>
+              <a:t>けど、手が止まるようなら、もっと早めに質問した方がいい。</a:t>
+            </a:r>
+            <a:r>
+              <a:rPr kumimoji="1" lang="en-US" altLang="ja-JP" dirty="0"/>
+              <a:t>)</a:t>
+            </a:r>
           </a:p>
           <a:p>
             <a:r>
@@ -13397,6 +13635,181 @@
 </file>
 
 <file path=ppt/slides/slide3.xml><?xml version="1.0" encoding="utf-8"?>
+<p:sld xmlns:a="http://schemas.openxmlformats.org/drawingml/2006/main" xmlns:r="http://schemas.openxmlformats.org/officeDocument/2006/relationships" xmlns:p="http://schemas.openxmlformats.org/presentationml/2006/main">
+  <p:cSld>
+    <p:spTree>
+      <p:nvGrpSpPr>
+        <p:cNvPr id="1" name="Shape 59"/>
+        <p:cNvGrpSpPr/>
+        <p:nvPr/>
+      </p:nvGrpSpPr>
+      <p:grpSpPr>
+        <a:xfrm>
+          <a:off x="0" y="0"/>
+          <a:ext cx="0" cy="0"/>
+          <a:chOff x="0" y="0"/>
+          <a:chExt cx="0" cy="0"/>
+        </a:xfrm>
+      </p:grpSpPr>
+      <p:sp>
+        <p:nvSpPr>
+          <p:cNvPr id="60" name="Google Shape;60;p14"/>
+          <p:cNvSpPr txBox="1">
+            <a:spLocks noGrp="1"/>
+          </p:cNvSpPr>
+          <p:nvPr>
+            <p:ph type="title"/>
+          </p:nvPr>
+        </p:nvSpPr>
+        <p:spPr>
+          <a:xfrm>
+            <a:off x="311700" y="445025"/>
+            <a:ext cx="8520600" cy="572700"/>
+          </a:xfrm>
+          <a:prstGeom prst="rect">
+            <a:avLst/>
+          </a:prstGeom>
+        </p:spPr>
+        <p:txBody>
+          <a:bodyPr spcFirstLastPara="1" wrap="square" lIns="91425" tIns="91425" rIns="91425" bIns="91425" anchor="t" anchorCtr="0">
+            <a:noAutofit/>
+          </a:bodyPr>
+          <a:lstStyle/>
+          <a:p>
+            <a:pPr marL="0" lvl="0" indent="0" algn="l" rtl="0">
+              <a:spcBef>
+                <a:spcPts val="0"/>
+              </a:spcBef>
+              <a:spcAft>
+                <a:spcPts val="0"/>
+              </a:spcAft>
+              <a:buNone/>
+            </a:pPr>
+            <a:r>
+              <a:rPr lang="ja"/>
+              <a:t>作った理由</a:t>
+            </a:r>
+            <a:endParaRPr/>
+          </a:p>
+        </p:txBody>
+      </p:sp>
+      <p:sp>
+        <p:nvSpPr>
+          <p:cNvPr id="61" name="Google Shape;61;p14"/>
+          <p:cNvSpPr txBox="1">
+            <a:spLocks noGrp="1"/>
+          </p:cNvSpPr>
+          <p:nvPr>
+            <p:ph type="body" idx="1"/>
+          </p:nvPr>
+        </p:nvSpPr>
+        <p:spPr>
+          <a:xfrm>
+            <a:off x="311700" y="1152475"/>
+            <a:ext cx="8520600" cy="3416400"/>
+          </a:xfrm>
+          <a:prstGeom prst="rect">
+            <a:avLst/>
+          </a:prstGeom>
+          <a:noFill/>
+          <a:ln>
+            <a:noFill/>
+          </a:ln>
+        </p:spPr>
+        <p:txBody>
+          <a:bodyPr spcFirstLastPara="1" wrap="square" lIns="91425" tIns="91425" rIns="91425" bIns="91425" anchor="t" anchorCtr="0">
+            <a:noAutofit/>
+          </a:bodyPr>
+          <a:lstStyle/>
+          <a:p>
+            <a:pPr marL="0" lvl="0" indent="0" algn="l" rtl="0">
+              <a:spcBef>
+                <a:spcPts val="0"/>
+              </a:spcBef>
+              <a:spcAft>
+                <a:spcPts val="0"/>
+              </a:spcAft>
+              <a:buNone/>
+            </a:pPr>
+            <a:r>
+              <a:rPr lang="ja"/>
+              <a:t>大学院の頃に初めて精神疾患（統合失調症）になり、３年前、就職して約2年半後に再発した。もともともうならないとたかを括っていた為、気づくのが遅れ、手遅れになった。その反省を踏まえて</a:t>
+            </a:r>
+            <a:r>
+              <a:rPr lang="ja">
+                <a:solidFill>
+                  <a:srgbClr val="FF0000"/>
+                </a:solidFill>
+                <a:highlight>
+                  <a:srgbClr val="FFFF00"/>
+                </a:highlight>
+              </a:rPr>
+              <a:t>『予防』</a:t>
+            </a:r>
+            <a:r>
+              <a:rPr lang="ja"/>
+              <a:t>をしっかりしようと決めた為だ。</a:t>
+            </a:r>
+            <a:endParaRPr/>
+          </a:p>
+          <a:p>
+            <a:pPr marL="0" lvl="0" indent="0" algn="l" rtl="0">
+              <a:spcBef>
+                <a:spcPts val="1600"/>
+              </a:spcBef>
+              <a:spcAft>
+                <a:spcPts val="0"/>
+              </a:spcAft>
+              <a:buNone/>
+            </a:pPr>
+            <a:r>
+              <a:rPr lang="ja"/>
+              <a:t>そして、気づいたのが、一人一人症状や反応は違う。だが、自分だけで考えれば、似たような原因で似たような症状が出て、同じ解決策で対処できるのだ。つまり、原因になるようなことを気をつけて、症状が出たら、いつもの対処をすれば、再発は防げるかもしれない。</a:t>
+            </a:r>
+            <a:endParaRPr/>
+          </a:p>
+          <a:p>
+            <a:pPr marL="0" lvl="0" indent="0" algn="l" rtl="0">
+              <a:spcBef>
+                <a:spcPts val="1600"/>
+              </a:spcBef>
+              <a:spcAft>
+                <a:spcPts val="1600"/>
+              </a:spcAft>
+              <a:buNone/>
+            </a:pPr>
+            <a:r>
+              <a:rPr lang="ja"/>
+              <a:t>そのためには、</a:t>
+            </a:r>
+            <a:r>
+              <a:rPr lang="ja">
+                <a:solidFill>
+                  <a:srgbClr val="FF0000"/>
+                </a:solidFill>
+                <a:highlight>
+                  <a:srgbClr val="FFFF00"/>
+                </a:highlight>
+              </a:rPr>
+              <a:t>早く気づくこと</a:t>
+            </a:r>
+            <a:r>
+              <a:rPr lang="ja"/>
+              <a:t>が大事だ。自分の初期症状をまとめたのをエクセル「セルフモニタリング＿原因と解決策」にまとめる。</a:t>
+            </a:r>
+            <a:endParaRPr/>
+          </a:p>
+        </p:txBody>
+      </p:sp>
+    </p:spTree>
+  </p:cSld>
+  <p:clrMapOvr>
+    <a:masterClrMapping/>
+  </p:clrMapOvr>
+</p:sld>
+</file>
+
+<file path=ppt/slides/slide4.xml><?xml version="1.0" encoding="utf-8"?>
 <p:sld xmlns:a="http://schemas.openxmlformats.org/drawingml/2006/main" xmlns:r="http://schemas.openxmlformats.org/officeDocument/2006/relationships" xmlns:p="http://schemas.openxmlformats.org/presentationml/2006/main">
   <p:cSld>
     <p:spTree>
@@ -13601,7 +14014,7 @@
 </p:sld>
 </file>
 
-<file path=ppt/slides/slide4.xml><?xml version="1.0" encoding="utf-8"?>
+<file path=ppt/slides/slide5.xml><?xml version="1.0" encoding="utf-8"?>
 <p:sld xmlns:a="http://schemas.openxmlformats.org/drawingml/2006/main" xmlns:r="http://schemas.openxmlformats.org/officeDocument/2006/relationships" xmlns:p="http://schemas.openxmlformats.org/presentationml/2006/main">
   <p:cSld>
     <p:spTree>
@@ -13754,7 +14167,7 @@
 </p:sld>
 </file>
 
-<file path=ppt/slides/slide5.xml><?xml version="1.0" encoding="utf-8"?>
+<file path=ppt/slides/slide6.xml><?xml version="1.0" encoding="utf-8"?>
 <p:sld xmlns:a="http://schemas.openxmlformats.org/drawingml/2006/main" xmlns:r="http://schemas.openxmlformats.org/officeDocument/2006/relationships" xmlns:p="http://schemas.openxmlformats.org/presentationml/2006/main">
   <p:cSld>
     <p:spTree>
@@ -13875,7 +14288,7 @@
 </p:sld>
 </file>
 
-<file path=ppt/slides/slide6.xml><?xml version="1.0" encoding="utf-8"?>
+<file path=ppt/slides/slide7.xml><?xml version="1.0" encoding="utf-8"?>
 <p:sld xmlns:a="http://schemas.openxmlformats.org/drawingml/2006/main" xmlns:r="http://schemas.openxmlformats.org/officeDocument/2006/relationships" xmlns:p="http://schemas.openxmlformats.org/presentationml/2006/main">
   <p:cSld>
     <p:spTree>
@@ -14085,7 +14498,7 @@
 </p:sld>
 </file>
 
-<file path=ppt/slides/slide7.xml><?xml version="1.0" encoding="utf-8"?>
+<file path=ppt/slides/slide8.xml><?xml version="1.0" encoding="utf-8"?>
 <p:sld xmlns:a="http://schemas.openxmlformats.org/drawingml/2006/main" xmlns:r="http://schemas.openxmlformats.org/officeDocument/2006/relationships" xmlns:p="http://schemas.openxmlformats.org/presentationml/2006/main">
   <p:cSld>
     <p:spTree>
@@ -14324,7 +14737,7 @@
 </p:sld>
 </file>
 
-<file path=ppt/slides/slide8.xml><?xml version="1.0" encoding="utf-8"?>
+<file path=ppt/slides/slide9.xml><?xml version="1.0" encoding="utf-8"?>
 <p:sld xmlns:a="http://schemas.openxmlformats.org/drawingml/2006/main" xmlns:r="http://schemas.openxmlformats.org/officeDocument/2006/relationships" xmlns:p="http://schemas.openxmlformats.org/presentationml/2006/main">
   <p:cSld>
     <p:spTree>
@@ -14553,216 +14966,6 @@
             <a:r>
               <a:rPr lang="ja"/>
               <a:t>$dataはいつもパターンは通り１つ</a:t>
-            </a:r>
-            <a:endParaRPr/>
-          </a:p>
-        </p:txBody>
-      </p:sp>
-    </p:spTree>
-  </p:cSld>
-  <p:clrMapOvr>
-    <a:masterClrMapping/>
-  </p:clrMapOvr>
-</p:sld>
-</file>
-
-<file path=ppt/slides/slide9.xml><?xml version="1.0" encoding="utf-8"?>
-<p:sld xmlns:a="http://schemas.openxmlformats.org/drawingml/2006/main" xmlns:r="http://schemas.openxmlformats.org/officeDocument/2006/relationships" xmlns:p="http://schemas.openxmlformats.org/presentationml/2006/main">
-  <p:cSld>
-    <p:spTree>
-      <p:nvGrpSpPr>
-        <p:cNvPr id="1" name="Shape 101"/>
-        <p:cNvGrpSpPr/>
-        <p:nvPr/>
-      </p:nvGrpSpPr>
-      <p:grpSpPr>
-        <a:xfrm>
-          <a:off x="0" y="0"/>
-          <a:ext cx="0" cy="0"/>
-          <a:chOff x="0" y="0"/>
-          <a:chExt cx="0" cy="0"/>
-        </a:xfrm>
-      </p:grpSpPr>
-      <p:sp>
-        <p:nvSpPr>
-          <p:cNvPr id="102" name="Google Shape;102;p21"/>
-          <p:cNvSpPr txBox="1">
-            <a:spLocks noGrp="1"/>
-          </p:cNvSpPr>
-          <p:nvPr>
-            <p:ph type="title"/>
-          </p:nvPr>
-        </p:nvSpPr>
-        <p:spPr>
-          <a:xfrm>
-            <a:off x="311700" y="144075"/>
-            <a:ext cx="8520600" cy="572700"/>
-          </a:xfrm>
-          <a:prstGeom prst="rect">
-            <a:avLst/>
-          </a:prstGeom>
-        </p:spPr>
-        <p:txBody>
-          <a:bodyPr spcFirstLastPara="1" wrap="square" lIns="91425" tIns="91425" rIns="91425" bIns="91425" anchor="t" anchorCtr="0">
-            <a:noAutofit/>
-          </a:bodyPr>
-          <a:lstStyle/>
-          <a:p>
-            <a:pPr marL="0" lvl="0" indent="0" algn="l" rtl="0">
-              <a:spcBef>
-                <a:spcPts val="0"/>
-              </a:spcBef>
-              <a:spcAft>
-                <a:spcPts val="0"/>
-              </a:spcAft>
-              <a:buNone/>
-            </a:pPr>
-            <a:r>
-              <a:rPr lang="ja"/>
-              <a:t>（補足）複数ループで作って、最後だけいらない</a:t>
-            </a:r>
-            <a:endParaRPr/>
-          </a:p>
-          <a:p>
-            <a:pPr marL="0" lvl="0" indent="0" algn="l" rtl="0">
-              <a:spcBef>
-                <a:spcPts val="0"/>
-              </a:spcBef>
-              <a:spcAft>
-                <a:spcPts val="0"/>
-              </a:spcAft>
-              <a:buClr>
-                <a:schemeClr val="dk1"/>
-              </a:buClr>
-              <a:buSzPts val="1100"/>
-              <a:buFont typeface="Arial"/>
-              <a:buNone/>
-            </a:pPr>
-            <a:r>
-              <a:rPr lang="ja"/>
-              <a:t>(search_result.php)</a:t>
-            </a:r>
-            <a:endParaRPr/>
-          </a:p>
-        </p:txBody>
-      </p:sp>
-      <p:sp>
-        <p:nvSpPr>
-          <p:cNvPr id="103" name="Google Shape;103;p21"/>
-          <p:cNvSpPr txBox="1">
-            <a:spLocks noGrp="1"/>
-          </p:cNvSpPr>
-          <p:nvPr>
-            <p:ph type="body" idx="1"/>
-          </p:nvPr>
-        </p:nvSpPr>
-        <p:spPr>
-          <a:xfrm>
-            <a:off x="311700" y="1275600"/>
-            <a:ext cx="8520600" cy="3402900"/>
-          </a:xfrm>
-          <a:prstGeom prst="rect">
-            <a:avLst/>
-          </a:prstGeom>
-        </p:spPr>
-        <p:txBody>
-          <a:bodyPr spcFirstLastPara="1" wrap="square" lIns="91425" tIns="91425" rIns="91425" bIns="91425" anchor="t" anchorCtr="0">
-            <a:noAutofit/>
-          </a:bodyPr>
-          <a:lstStyle/>
-          <a:p>
-            <a:pPr marL="0" lvl="0" indent="0" algn="l" rtl="0">
-              <a:spcBef>
-                <a:spcPts val="0"/>
-              </a:spcBef>
-              <a:spcAft>
-                <a:spcPts val="0"/>
-              </a:spcAft>
-              <a:buNone/>
-            </a:pPr>
-            <a:r>
-              <a:rPr lang="ja"/>
-              <a:t>if($signal_flag == true){</a:t>
-            </a:r>
-            <a:endParaRPr/>
-          </a:p>
-          <a:p>
-            <a:pPr marL="0" lvl="0" indent="0" algn="l" rtl="0">
-              <a:spcBef>
-                <a:spcPts val="1600"/>
-              </a:spcBef>
-              <a:spcAft>
-                <a:spcPts val="0"/>
-              </a:spcAft>
-              <a:buNone/>
-            </a:pPr>
-            <a:r>
-              <a:rPr lang="ja"/>
-              <a:t>$sql = rtrim($sql, “OR”);</a:t>
-            </a:r>
-            <a:endParaRPr/>
-          </a:p>
-          <a:p>
-            <a:pPr marL="0" lvl="0" indent="0" algn="l" rtl="0">
-              <a:spcBef>
-                <a:spcPts val="1600"/>
-              </a:spcBef>
-              <a:spcAft>
-                <a:spcPts val="0"/>
-              </a:spcAft>
-              <a:buNone/>
-            </a:pPr>
-            <a:r>
-              <a:rPr lang="ja"/>
-              <a:t>$sql .= “)”;</a:t>
-            </a:r>
-            <a:endParaRPr/>
-          </a:p>
-          <a:p>
-            <a:pPr marL="0" lvl="0" indent="0" algn="l" rtl="0">
-              <a:spcBef>
-                <a:spcPts val="1600"/>
-              </a:spcBef>
-              <a:spcAft>
-                <a:spcPts val="0"/>
-              </a:spcAft>
-              <a:buNone/>
-            </a:pPr>
-            <a:r>
-              <a:rPr lang="ja"/>
-              <a:t>}</a:t>
-            </a:r>
-            <a:endParaRPr/>
-          </a:p>
-          <a:p>
-            <a:pPr marL="0" lvl="0" indent="0" algn="l" rtl="0">
-              <a:spcBef>
-                <a:spcPts val="1600"/>
-              </a:spcBef>
-              <a:spcAft>
-                <a:spcPts val="0"/>
-              </a:spcAft>
-              <a:buNone/>
-            </a:pPr>
-            <a:r>
-              <a:rPr lang="ja"/>
-              <a:t>最後だけORを削除する。そして、）をつける。</a:t>
-            </a:r>
-            <a:endParaRPr/>
-          </a:p>
-          <a:p>
-            <a:pPr marL="0" lvl="0" indent="0" algn="l" rtl="0">
-              <a:spcBef>
-                <a:spcPts val="1600"/>
-              </a:spcBef>
-              <a:spcAft>
-                <a:spcPts val="1600"/>
-              </a:spcAft>
-              <a:buNone/>
-            </a:pPr>
-            <a:r>
-              <a:rPr lang="ja"/>
-              <a:t>$signal_flagは ORを使う時だけ通るようにしたフラグ。</a:t>
             </a:r>
             <a:endParaRPr/>
           </a:p>

--- a/doc/NASA+1のポートフォリオ発表.pptx
+++ b/doc/NASA+1のポートフォリオ発表.pptx
@@ -2108,7 +2108,7 @@
         </p:nvSpPr>
         <p:spPr>
           <a:xfrm>
-            <a:off x="381300" y="685800"/>
+            <a:off x="381000" y="685800"/>
             <a:ext cx="6096000" cy="3429000"/>
           </a:xfrm>
           <a:custGeom>
@@ -7740,10 +7740,10 @@
               <a:buNone/>
             </a:pPr>
             <a:r>
-              <a:rPr lang="ja"/>
+              <a:rPr lang="ja" dirty="0"/>
               <a:t>（補足）複数ループで作って、最後だけいらない</a:t>
             </a:r>
-            <a:endParaRPr/>
+            <a:endParaRPr dirty="0"/>
           </a:p>
           <a:p>
             <a:pPr marL="0" lvl="0" indent="0" algn="l" rtl="0">
@@ -7761,10 +7761,10 @@
               <a:buNone/>
             </a:pPr>
             <a:r>
-              <a:rPr lang="ja"/>
+              <a:rPr lang="ja" dirty="0"/>
               <a:t>(search_result.php)</a:t>
             </a:r>
-            <a:endParaRPr/>
+            <a:endParaRPr dirty="0"/>
           </a:p>
         </p:txBody>
       </p:sp>
@@ -7803,10 +7803,10 @@
               <a:buNone/>
             </a:pPr>
             <a:r>
-              <a:rPr lang="ja"/>
+              <a:rPr lang="ja" dirty="0"/>
               <a:t>if($signal_flag == true){</a:t>
             </a:r>
-            <a:endParaRPr/>
+            <a:endParaRPr dirty="0"/>
           </a:p>
           <a:p>
             <a:pPr marL="0" lvl="0" indent="0" algn="l" rtl="0">
@@ -7819,10 +7819,10 @@
               <a:buNone/>
             </a:pPr>
             <a:r>
-              <a:rPr lang="ja"/>
+              <a:rPr lang="ja" dirty="0"/>
               <a:t>$sql = rtrim($sql, “OR”);</a:t>
             </a:r>
-            <a:endParaRPr/>
+            <a:endParaRPr dirty="0"/>
           </a:p>
           <a:p>
             <a:pPr marL="0" lvl="0" indent="0" algn="l" rtl="0">
@@ -7835,10 +7835,10 @@
               <a:buNone/>
             </a:pPr>
             <a:r>
-              <a:rPr lang="ja"/>
+              <a:rPr lang="ja" dirty="0"/>
               <a:t>$sql .= “)”;</a:t>
             </a:r>
-            <a:endParaRPr/>
+            <a:endParaRPr dirty="0"/>
           </a:p>
           <a:p>
             <a:pPr marL="0" lvl="0" indent="0" algn="l" rtl="0">
@@ -7851,10 +7851,10 @@
               <a:buNone/>
             </a:pPr>
             <a:r>
-              <a:rPr lang="ja"/>
+              <a:rPr lang="ja" dirty="0"/>
               <a:t>}</a:t>
             </a:r>
-            <a:endParaRPr/>
+            <a:endParaRPr dirty="0"/>
           </a:p>
           <a:p>
             <a:pPr marL="0" lvl="0" indent="0" algn="l" rtl="0">
@@ -7867,10 +7867,10 @@
               <a:buNone/>
             </a:pPr>
             <a:r>
-              <a:rPr lang="ja"/>
+              <a:rPr lang="ja" dirty="0"/>
               <a:t>最後だけORを削除する。そして、）をつける。</a:t>
             </a:r>
-            <a:endParaRPr/>
+            <a:endParaRPr dirty="0"/>
           </a:p>
           <a:p>
             <a:pPr marL="0" lvl="0" indent="0" algn="l" rtl="0">
@@ -7883,10 +7883,10 @@
               <a:buNone/>
             </a:pPr>
             <a:r>
-              <a:rPr lang="ja"/>
+              <a:rPr lang="ja" dirty="0"/>
               <a:t>$signal_flagは ORを使う時だけ通るようにしたフラグ。</a:t>
             </a:r>
-            <a:endParaRPr/>
+            <a:endParaRPr dirty="0"/>
           </a:p>
         </p:txBody>
       </p:sp>
@@ -7993,11 +7993,11 @@
               <a:buNone/>
             </a:pPr>
             <a:r>
-              <a:rPr lang="ja"/>
+              <a:rPr lang="ja" dirty="0"/>
               <a:t>activity.php  p36の</a:t>
             </a:r>
             <a:r>
-              <a:rPr lang="ja" sz="2100">
+              <a:rPr lang="ja" sz="2100" dirty="0">
                 <a:solidFill>
                   <a:srgbClr val="C586C0"/>
                 </a:solidFill>
@@ -8012,7 +8012,7 @@
               <a:t>for</a:t>
             </a:r>
             <a:r>
-              <a:rPr lang="ja" sz="2100">
+              <a:rPr lang="ja" sz="2100" dirty="0">
                 <a:solidFill>
                   <a:srgbClr val="D4D4D4"/>
                 </a:solidFill>
@@ -8027,7 +8027,7 @@
               <a:t>(</a:t>
             </a:r>
             <a:r>
-              <a:rPr lang="ja" sz="2100">
+              <a:rPr lang="ja" sz="2100" dirty="0">
                 <a:solidFill>
                   <a:srgbClr val="9CDCFE"/>
                 </a:solidFill>
@@ -8042,7 +8042,7 @@
               <a:t>$i</a:t>
             </a:r>
             <a:r>
-              <a:rPr lang="ja" sz="2100">
+              <a:rPr lang="ja" sz="2100" dirty="0">
                 <a:solidFill>
                   <a:srgbClr val="D4D4D4"/>
                 </a:solidFill>
@@ -8057,7 +8057,7 @@
               <a:t>=</a:t>
             </a:r>
             <a:r>
-              <a:rPr lang="ja" sz="2100">
+              <a:rPr lang="ja" sz="2100" dirty="0">
                 <a:solidFill>
                   <a:srgbClr val="B5CEA8"/>
                 </a:solidFill>
@@ -8072,7 +8072,7 @@
               <a:t>2</a:t>
             </a:r>
             <a:r>
-              <a:rPr lang="ja" sz="2100">
+              <a:rPr lang="ja" sz="2100" dirty="0">
                 <a:solidFill>
                   <a:srgbClr val="D4D4D4"/>
                 </a:solidFill>
@@ -8087,7 +8087,7 @@
               <a:t>; </a:t>
             </a:r>
             <a:r>
-              <a:rPr lang="ja" sz="2100">
+              <a:rPr lang="ja" sz="2100" dirty="0">
                 <a:solidFill>
                   <a:srgbClr val="9CDCFE"/>
                 </a:solidFill>
@@ -8102,7 +8102,7 @@
               <a:t>$i</a:t>
             </a:r>
             <a:r>
-              <a:rPr lang="ja" sz="2100">
+              <a:rPr lang="ja" sz="2100" dirty="0">
                 <a:solidFill>
                   <a:srgbClr val="D4D4D4"/>
                 </a:solidFill>
@@ -8117,7 +8117,7 @@
               <a:t>&lt;=</a:t>
             </a:r>
             <a:r>
-              <a:rPr lang="ja" sz="2100">
+              <a:rPr lang="ja" sz="2100" dirty="0">
                 <a:solidFill>
                   <a:srgbClr val="B5CEA8"/>
                 </a:solidFill>
@@ -8132,7 +8132,7 @@
               <a:t>5</a:t>
             </a:r>
             <a:r>
-              <a:rPr lang="ja" sz="2100">
+              <a:rPr lang="ja" sz="2100" dirty="0">
                 <a:solidFill>
                   <a:srgbClr val="D4D4D4"/>
                 </a:solidFill>
@@ -8147,7 +8147,7 @@
               <a:t>; </a:t>
             </a:r>
             <a:r>
-              <a:rPr lang="ja" sz="2100">
+              <a:rPr lang="ja" sz="2100" dirty="0">
                 <a:solidFill>
                   <a:srgbClr val="9CDCFE"/>
                 </a:solidFill>
@@ -8162,7 +8162,7 @@
               <a:t>$i</a:t>
             </a:r>
             <a:r>
-              <a:rPr lang="ja" sz="2100">
+              <a:rPr lang="ja" sz="2100" dirty="0">
                 <a:solidFill>
                   <a:srgbClr val="D4D4D4"/>
                 </a:solidFill>
@@ -8177,10 +8177,10 @@
               <a:t>++){</a:t>
             </a:r>
             <a:r>
-              <a:rPr lang="ja"/>
+              <a:rPr lang="ja" dirty="0"/>
               <a:t>の後</a:t>
             </a:r>
-            <a:endParaRPr/>
+            <a:endParaRPr dirty="0"/>
           </a:p>
           <a:p>
             <a:pPr marL="0" lvl="0" indent="0" algn="l" rtl="0">
@@ -8193,10 +8193,10 @@
               <a:buNone/>
             </a:pPr>
             <a:r>
-              <a:rPr lang="ja"/>
+              <a:rPr lang="ja" dirty="0"/>
               <a:t>唯一のデータをSQLの SELECT文で呼び出して、idで確認する。</a:t>
             </a:r>
-            <a:endParaRPr/>
+            <a:endParaRPr dirty="0"/>
           </a:p>
           <a:p>
             <a:pPr marL="0" lvl="0" indent="0" algn="l" rtl="0">
@@ -8209,10 +8209,10 @@
               <a:buNone/>
             </a:pPr>
             <a:r>
-              <a:rPr lang="ja"/>
+              <a:rPr lang="ja" dirty="0"/>
               <a:t>idが存在するか確認できれば、UPDATEにすればいいし、無ければ、作る為に、INSERTにすればいい。</a:t>
             </a:r>
-            <a:endParaRPr/>
+            <a:endParaRPr dirty="0"/>
           </a:p>
         </p:txBody>
       </p:sp>
@@ -12843,7 +12843,7 @@
               <a:t>~</a:t>
             </a:r>
             <a:r>
-              <a:rPr kumimoji="1" lang="ja-JP" altLang="en-US"/>
+              <a:rPr kumimoji="1" lang="ja-JP" altLang="en-US" dirty="0"/>
               <a:t>３か月</a:t>
             </a:r>
             <a:endParaRPr kumimoji="1" lang="en-US" altLang="ja-JP" dirty="0"/>
@@ -13046,10 +13046,10 @@
               <a:buNone/>
             </a:pPr>
             <a:r>
-              <a:rPr lang="ja"/>
+              <a:rPr lang="ja" dirty="0"/>
               <a:t>&lt;input type=”text” name=”name[‘&lt;?= $rec[‘id’] ?&gt;’][name]” value=”&lt;?= $name ?&gt;”&gt;</a:t>
             </a:r>
-            <a:endParaRPr sz="900">
+            <a:endParaRPr sz="900" dirty="0">
               <a:solidFill>
                 <a:srgbClr val="CE9178"/>
               </a:solidFill>
@@ -13073,10 +13073,10 @@
               <a:buNone/>
             </a:pPr>
             <a:r>
-              <a:rPr lang="ja"/>
+              <a:rPr lang="ja" dirty="0"/>
               <a:t>nameを２重配列にする。</a:t>
             </a:r>
-            <a:endParaRPr/>
+            <a:endParaRPr dirty="0"/>
           </a:p>
           <a:p>
             <a:pPr marL="0" lvl="0" indent="0" algn="l" rtl="0">
@@ -13089,10 +13089,10 @@
               <a:buNone/>
             </a:pPr>
             <a:r>
-              <a:rPr lang="ja"/>
+              <a:rPr lang="ja" dirty="0"/>
               <a:t>foreach($_POST[‘name’] as $key =&gt; $value ){</a:t>
             </a:r>
-            <a:endParaRPr/>
+            <a:endParaRPr dirty="0"/>
           </a:p>
           <a:p>
             <a:pPr marL="0" lvl="0" indent="0" algn="l" rtl="0">
@@ -13105,10 +13105,10 @@
               <a:buNone/>
             </a:pPr>
             <a:r>
-              <a:rPr lang="ja"/>
+              <a:rPr lang="ja" dirty="0"/>
               <a:t>	$value[“name”];</a:t>
             </a:r>
-            <a:endParaRPr/>
+            <a:endParaRPr dirty="0"/>
           </a:p>
           <a:p>
             <a:pPr marL="0" lvl="0" indent="0" algn="l" rtl="0">
@@ -13121,10 +13121,10 @@
               <a:buNone/>
             </a:pPr>
             <a:r>
-              <a:rPr lang="ja"/>
+              <a:rPr lang="ja" dirty="0"/>
               <a:t>}</a:t>
             </a:r>
-            <a:endParaRPr/>
+            <a:endParaRPr dirty="0"/>
           </a:p>
           <a:p>
             <a:pPr marL="0" lvl="0" indent="0" algn="l" rtl="0">
@@ -13137,10 +13137,10 @@
               <a:buNone/>
             </a:pPr>
             <a:r>
-              <a:rPr lang="ja"/>
+              <a:rPr lang="ja" dirty="0"/>
               <a:t>$valueの配列にすれば、取り出せる。</a:t>
             </a:r>
-            <a:endParaRPr/>
+            <a:endParaRPr dirty="0"/>
           </a:p>
         </p:txBody>
       </p:sp>
@@ -13246,10 +13246,10 @@
               <a:buNone/>
             </a:pPr>
             <a:r>
-              <a:rPr lang="ja"/>
+              <a:rPr lang="ja" dirty="0"/>
               <a:t>$name[‘weather’] = $weather;</a:t>
             </a:r>
-            <a:endParaRPr/>
+            <a:endParaRPr dirty="0"/>
           </a:p>
           <a:p>
             <a:pPr marL="0" lvl="0" indent="0" algn="l" rtl="0">
@@ -13262,10 +13262,10 @@
               <a:buNone/>
             </a:pPr>
             <a:r>
-              <a:rPr lang="ja"/>
+              <a:rPr lang="ja" dirty="0"/>
               <a:t>配列の[]中に言語を入れると連想配列の一つになる。</a:t>
             </a:r>
-            <a:endParaRPr/>
+            <a:endParaRPr dirty="0"/>
           </a:p>
         </p:txBody>
       </p:sp>
@@ -13880,8 +13880,8 @@
         </p:nvSpPr>
         <p:spPr>
           <a:xfrm>
-            <a:off x="311700" y="1152475"/>
-            <a:ext cx="8520600" cy="3416400"/>
+            <a:off x="312056" y="1152475"/>
+            <a:ext cx="8520243" cy="3416400"/>
           </a:xfrm>
           <a:prstGeom prst="rect">
             <a:avLst/>
@@ -13903,14 +13903,14 @@
               <a:buNone/>
             </a:pPr>
             <a:r>
-              <a:rPr lang="ja">
+              <a:rPr lang="ja" dirty="0">
                 <a:solidFill>
                   <a:srgbClr val="0000FF"/>
                 </a:solidFill>
               </a:rPr>
               <a:t>青信号</a:t>
             </a:r>
-            <a:endParaRPr>
+            <a:endParaRPr dirty="0">
               <a:solidFill>
                 <a:srgbClr val="0000FF"/>
               </a:solidFill>
@@ -13927,14 +13927,14 @@
               <a:buNone/>
             </a:pPr>
             <a:r>
-              <a:rPr lang="ja">
+              <a:rPr lang="ja" dirty="0">
                 <a:solidFill>
                   <a:srgbClr val="0000FF"/>
                 </a:solidFill>
               </a:rPr>
               <a:t>できてなくてもいいが、体調良い時なら、できている状態。</a:t>
             </a:r>
-            <a:endParaRPr>
+            <a:endParaRPr dirty="0">
               <a:solidFill>
                 <a:srgbClr val="0000FF"/>
               </a:solidFill>
@@ -13950,7 +13950,7 @@
               </a:spcAft>
               <a:buNone/>
             </a:pPr>
-            <a:endParaRPr>
+            <a:endParaRPr dirty="0">
               <a:solidFill>
                 <a:srgbClr val="0000FF"/>
               </a:solidFill>
@@ -13967,14 +13967,14 @@
               <a:buNone/>
             </a:pPr>
             <a:r>
-              <a:rPr lang="ja">
+              <a:rPr lang="ja" dirty="0">
                 <a:highlight>
                   <a:srgbClr val="FFFF00"/>
                 </a:highlight>
               </a:rPr>
               <a:t>黄信号</a:t>
             </a:r>
-            <a:endParaRPr>
+            <a:endParaRPr dirty="0">
               <a:highlight>
                 <a:srgbClr val="FFFF00"/>
               </a:highlight>
@@ -13991,14 +13991,14 @@
               <a:buNone/>
             </a:pPr>
             <a:r>
-              <a:rPr lang="ja">
+              <a:rPr lang="ja" dirty="0">
                 <a:highlight>
                   <a:srgbClr val="FFFF00"/>
                 </a:highlight>
               </a:rPr>
               <a:t>体調が悪いと出る数値、しっかり対策をしよう。</a:t>
             </a:r>
-            <a:endParaRPr>
+            <a:endParaRPr dirty="0">
               <a:highlight>
                 <a:srgbClr val="FFFF00"/>
               </a:highlight>
@@ -14382,10 +14382,10 @@
               <a:buNone/>
             </a:pPr>
             <a:r>
-              <a:rPr lang="ja"/>
+              <a:rPr lang="ja" dirty="0"/>
               <a:t>$sql = “SELECT entries_date, weekday FROM monitoring where weekday=? AND entries_date = ? “;</a:t>
             </a:r>
-            <a:endParaRPr/>
+            <a:endParaRPr dirty="0"/>
           </a:p>
           <a:p>
             <a:pPr marL="0" lvl="0" indent="0" algn="l" rtl="0">
@@ -14398,10 +14398,10 @@
               <a:buNone/>
             </a:pPr>
             <a:r>
-              <a:rPr lang="ja"/>
+              <a:rPr lang="ja" dirty="0"/>
               <a:t>data = [];</a:t>
             </a:r>
-            <a:endParaRPr/>
+            <a:endParaRPr dirty="0"/>
           </a:p>
           <a:p>
             <a:pPr marL="0" lvl="0" indent="0" algn="l" rtl="0">
@@ -14414,10 +14414,10 @@
               <a:buNone/>
             </a:pPr>
             <a:r>
-              <a:rPr lang="ja"/>
+              <a:rPr lang="ja" dirty="0"/>
               <a:t>date[] = $_POST[“weekday”];</a:t>
             </a:r>
-            <a:endParaRPr/>
+            <a:endParaRPr dirty="0"/>
           </a:p>
           <a:p>
             <a:pPr marL="0" lvl="0" indent="0" algn="l" rtl="0">
@@ -14435,10 +14435,10 @@
               <a:buNone/>
             </a:pPr>
             <a:r>
-              <a:rPr lang="ja"/>
+              <a:rPr lang="ja" dirty="0"/>
               <a:t>date[] = $_POST[“start_day”];</a:t>
             </a:r>
-            <a:endParaRPr/>
+            <a:endParaRPr dirty="0"/>
           </a:p>
           <a:p>
             <a:pPr marL="0" lvl="0" indent="0" algn="l" rtl="0">
@@ -14451,10 +14451,10 @@
               <a:buNone/>
             </a:pPr>
             <a:r>
-              <a:rPr lang="ja"/>
+              <a:rPr lang="ja" dirty="0"/>
               <a:t>$stmt = $dbh -&gt; prepare($sql);</a:t>
             </a:r>
-            <a:endParaRPr/>
+            <a:endParaRPr dirty="0"/>
           </a:p>
           <a:p>
             <a:pPr marL="0" lvl="0" indent="0" algn="l" rtl="0">
@@ -14467,10 +14467,10 @@
               <a:buNone/>
             </a:pPr>
             <a:r>
-              <a:rPr lang="ja"/>
+              <a:rPr lang="ja" dirty="0"/>
               <a:t>$stmt -&gt; execute($data);</a:t>
             </a:r>
-            <a:endParaRPr/>
+            <a:endParaRPr dirty="0"/>
           </a:p>
           <a:p>
             <a:pPr marL="0" lvl="0" indent="0" algn="l" rtl="0">
@@ -14483,10 +14483,10 @@
               <a:buNone/>
             </a:pPr>
             <a:r>
-              <a:rPr lang="ja"/>
+              <a:rPr lang="ja" dirty="0"/>
               <a:t>$dbh = null;</a:t>
             </a:r>
-            <a:endParaRPr/>
+            <a:endParaRPr dirty="0"/>
           </a:p>
         </p:txBody>
       </p:sp>
@@ -14550,10 +14550,10 @@
               <a:buNone/>
             </a:pPr>
             <a:r>
-              <a:rPr lang="ja"/>
+              <a:rPr lang="ja" dirty="0"/>
               <a:t>同じif文使って、検索をかける時とかけない時を分ける。(search_result.php)</a:t>
             </a:r>
-            <a:endParaRPr/>
+            <a:endParaRPr dirty="0"/>
           </a:p>
           <a:p>
             <a:pPr marL="0" lvl="0" indent="0" algn="l" rtl="0">
@@ -14565,7 +14565,7 @@
               </a:spcAft>
               <a:buNone/>
             </a:pPr>
-            <a:endParaRPr/>
+            <a:endParaRPr dirty="0"/>
           </a:p>
         </p:txBody>
       </p:sp>
@@ -14604,10 +14604,10 @@
               <a:buNone/>
             </a:pPr>
             <a:r>
-              <a:rPr lang="ja"/>
+              <a:rPr lang="ja" dirty="0"/>
               <a:t>$sql = “SELECT entries_date, weekday FROM monitoring where is_deleted = ?” </a:t>
             </a:r>
-            <a:endParaRPr/>
+            <a:endParaRPr dirty="0"/>
           </a:p>
           <a:p>
             <a:pPr marL="0" lvl="0" indent="0" algn="l" rtl="0">
@@ -14620,10 +14620,10 @@
               <a:buNone/>
             </a:pPr>
             <a:r>
-              <a:rPr lang="ja"/>
+              <a:rPr lang="ja" dirty="0"/>
               <a:t>if(is_numeric($_POST[“weekday”])) {</a:t>
             </a:r>
-            <a:endParaRPr/>
+            <a:endParaRPr dirty="0"/>
           </a:p>
           <a:p>
             <a:pPr marL="0" lvl="0" indent="0" algn="l" rtl="0">
@@ -14636,10 +14636,10 @@
               <a:buNone/>
             </a:pPr>
             <a:r>
-              <a:rPr lang="ja"/>
+              <a:rPr lang="ja" dirty="0"/>
               <a:t>$sql .= “ AND weekday = ? “;</a:t>
             </a:r>
-            <a:endParaRPr/>
+            <a:endParaRPr dirty="0"/>
           </a:p>
           <a:p>
             <a:pPr marL="0" lvl="0" indent="0" algn="l" rtl="0">
@@ -14652,10 +14652,10 @@
               <a:buNone/>
             </a:pPr>
             <a:r>
-              <a:rPr lang="ja"/>
+              <a:rPr lang="ja" dirty="0"/>
               <a:t>}</a:t>
             </a:r>
-            <a:endParaRPr/>
+            <a:endParaRPr dirty="0"/>
           </a:p>
           <a:p>
             <a:pPr marL="0" lvl="0" indent="0" algn="l" rtl="0">
@@ -14673,10 +14673,10 @@
               <a:buNone/>
             </a:pPr>
             <a:r>
-              <a:rPr lang="ja"/>
+              <a:rPr lang="ja" dirty="0"/>
               <a:t>if(is_numeric($_POST[“weekday”])) {</a:t>
             </a:r>
-            <a:endParaRPr/>
+            <a:endParaRPr dirty="0"/>
           </a:p>
           <a:p>
             <a:pPr marL="0" lvl="0" indent="0" algn="l" rtl="0">
@@ -14689,10 +14689,10 @@
               <a:buNone/>
             </a:pPr>
             <a:r>
-              <a:rPr lang="ja"/>
+              <a:rPr lang="ja" dirty="0"/>
               <a:t>date[] = $_POST[“weekday”];</a:t>
             </a:r>
-            <a:endParaRPr/>
+            <a:endParaRPr dirty="0"/>
           </a:p>
           <a:p>
             <a:pPr marL="0" lvl="0" indent="0" algn="l" rtl="0">
@@ -14710,10 +14710,10 @@
               <a:buNone/>
             </a:pPr>
             <a:r>
-              <a:rPr lang="ja"/>
+              <a:rPr lang="ja" dirty="0"/>
               <a:t>}</a:t>
             </a:r>
-            <a:endParaRPr/>
+            <a:endParaRPr dirty="0"/>
           </a:p>
           <a:p>
             <a:pPr marL="0" lvl="0" indent="0" algn="l" rtl="0">
@@ -14725,7 +14725,7 @@
               </a:spcAft>
               <a:buNone/>
             </a:pPr>
-            <a:endParaRPr/>
+            <a:endParaRPr dirty="0"/>
           </a:p>
         </p:txBody>
       </p:sp>
@@ -14789,10 +14789,10 @@
               <a:buNone/>
             </a:pPr>
             <a:r>
-              <a:rPr lang="ja"/>
+              <a:rPr lang="ja" dirty="0"/>
               <a:t>以上以下の検索(search_result.php)</a:t>
             </a:r>
-            <a:endParaRPr/>
+            <a:endParaRPr dirty="0"/>
           </a:p>
         </p:txBody>
       </p:sp>
@@ -14831,10 +14831,10 @@
               <a:buNone/>
             </a:pPr>
             <a:r>
-              <a:rPr lang="ja"/>
+              <a:rPr lang="ja" dirty="0"/>
               <a:t>if(is_numeric($signal_up_down) &amp;&amp; $signal_up_down == 0) {</a:t>
             </a:r>
-            <a:endParaRPr/>
+            <a:endParaRPr dirty="0"/>
           </a:p>
           <a:p>
             <a:pPr marL="0" lvl="0" indent="0" algn="l" rtl="0">
@@ -14847,10 +14847,10 @@
               <a:buNone/>
             </a:pPr>
             <a:r>
-              <a:rPr lang="ja"/>
+              <a:rPr lang="ja" dirty="0"/>
               <a:t>$sql .= “condition_level &lt;= ? OR ”;</a:t>
             </a:r>
-            <a:endParaRPr/>
+            <a:endParaRPr dirty="0"/>
           </a:p>
           <a:p>
             <a:pPr marL="0" lvl="0" indent="0" algn="l" rtl="0">
@@ -14863,10 +14863,10 @@
               <a:buNone/>
             </a:pPr>
             <a:r>
-              <a:rPr lang="ja"/>
+              <a:rPr lang="ja" dirty="0"/>
               <a:t>} elseif($signal_up_down == 1) {</a:t>
             </a:r>
-            <a:endParaRPr/>
+            <a:endParaRPr dirty="0"/>
           </a:p>
           <a:p>
             <a:pPr marL="0" lvl="0" indent="0" algn="l" rtl="0">
@@ -14879,10 +14879,10 @@
               <a:buNone/>
             </a:pPr>
             <a:r>
-              <a:rPr lang="ja"/>
+              <a:rPr lang="ja" dirty="0"/>
               <a:t>$sql .= “condition_level &gt;= ? OR ”;</a:t>
             </a:r>
-            <a:endParaRPr/>
+            <a:endParaRPr dirty="0"/>
           </a:p>
           <a:p>
             <a:pPr marL="0" lvl="0" indent="0" algn="l" rtl="0">
@@ -14895,10 +14895,10 @@
               <a:buNone/>
             </a:pPr>
             <a:r>
-              <a:rPr lang="ja"/>
+              <a:rPr lang="ja" dirty="0"/>
               <a:t>}else{</a:t>
             </a:r>
-            <a:endParaRPr/>
+            <a:endParaRPr dirty="0"/>
           </a:p>
           <a:p>
             <a:pPr marL="0" lvl="0" indent="0" algn="l" rtl="0">
@@ -14916,10 +14916,10 @@
               <a:buNone/>
             </a:pPr>
             <a:r>
-              <a:rPr lang="ja"/>
+              <a:rPr lang="ja" dirty="0"/>
               <a:t>$sql .= “condition_level = ? OR ”;</a:t>
             </a:r>
-            <a:endParaRPr/>
+            <a:endParaRPr dirty="0"/>
           </a:p>
           <a:p>
             <a:pPr marL="0" lvl="0" indent="0" algn="l" rtl="0">
@@ -14932,10 +14932,10 @@
               <a:buNone/>
             </a:pPr>
             <a:r>
-              <a:rPr lang="ja"/>
+              <a:rPr lang="ja" dirty="0"/>
               <a:t>}</a:t>
             </a:r>
-            <a:endParaRPr/>
+            <a:endParaRPr dirty="0"/>
           </a:p>
           <a:p>
             <a:pPr marL="0" lvl="0" indent="0" algn="l" rtl="0">
@@ -14948,10 +14948,10 @@
               <a:buNone/>
             </a:pPr>
             <a:r>
-              <a:rPr lang="ja"/>
+              <a:rPr lang="ja" dirty="0"/>
               <a:t>$data[] = $signal_name;</a:t>
             </a:r>
-            <a:endParaRPr/>
+            <a:endParaRPr dirty="0"/>
           </a:p>
           <a:p>
             <a:pPr marL="0" lvl="0" indent="0" algn="l" rtl="0">
@@ -14964,10 +14964,10 @@
               <a:buNone/>
             </a:pPr>
             <a:r>
-              <a:rPr lang="ja"/>
+              <a:rPr lang="ja" dirty="0"/>
               <a:t>$dataはいつもパターンは通り１つ</a:t>
             </a:r>
-            <a:endParaRPr/>
+            <a:endParaRPr dirty="0"/>
           </a:p>
         </p:txBody>
       </p:sp>
